--- a/ppt 16-9/0148.圣灵大全能.pptx
+++ b/ppt 16-9/0148.圣灵大全能.pptx
@@ -129,7 +129,7 @@
           <p:cNvPr id="2" name="标题 1">
             <a:extLst>
               <a:ext uri="{FF2B5EF4-FFF2-40B4-BE49-F238E27FC236}">
-                <a16:creationId xmlns:a16="http://schemas.microsoft.com/office/drawing/2014/main" id="{B6EE1268-47C2-572F-2CC0-7806B339A7B9}"/>
+                <a16:creationId xmlns:a16="http://schemas.microsoft.com/office/drawing/2014/main" id="{2F16A478-6D6E-B073-5D6B-A062AC691C06}"/>
               </a:ext>
             </a:extLst>
           </p:cNvPr>
@@ -166,7 +166,7 @@
           <p:cNvPr id="3" name="副标题 2">
             <a:extLst>
               <a:ext uri="{FF2B5EF4-FFF2-40B4-BE49-F238E27FC236}">
-                <a16:creationId xmlns:a16="http://schemas.microsoft.com/office/drawing/2014/main" id="{81175BA2-54D3-FEE0-C8B8-2572EEFB4CA0}"/>
+                <a16:creationId xmlns:a16="http://schemas.microsoft.com/office/drawing/2014/main" id="{975D4215-3552-E029-A8B7-29CB769961A5}"/>
               </a:ext>
             </a:extLst>
           </p:cNvPr>
@@ -236,7 +236,7 @@
           <p:cNvPr id="4" name="日期占位符 3">
             <a:extLst>
               <a:ext uri="{FF2B5EF4-FFF2-40B4-BE49-F238E27FC236}">
-                <a16:creationId xmlns:a16="http://schemas.microsoft.com/office/drawing/2014/main" id="{EF2C91AE-C0F4-5B1E-B195-7354835A2AEB}"/>
+                <a16:creationId xmlns:a16="http://schemas.microsoft.com/office/drawing/2014/main" id="{D3D8CFD2-2C87-A2FD-D637-ABBC98941EBE}"/>
               </a:ext>
             </a:extLst>
           </p:cNvPr>
@@ -252,7 +252,7 @@
           <a:bodyPr/>
           <a:lstStyle/>
           <a:p>
-            <a:fld id="{BE4AA9EE-DC50-46A0-AEA3-57237EC51479}" type="datetimeFigureOut">
+            <a:fld id="{A7B1C9D6-F6B0-4E50-ACC4-33E427CDD700}" type="datetimeFigureOut">
               <a:rPr lang="zh-CN" altLang="en-US" smtClean="0"/>
               <a:t>2024/3/10</a:t>
             </a:fld>
@@ -265,7 +265,7 @@
           <p:cNvPr id="5" name="页脚占位符 4">
             <a:extLst>
               <a:ext uri="{FF2B5EF4-FFF2-40B4-BE49-F238E27FC236}">
-                <a16:creationId xmlns:a16="http://schemas.microsoft.com/office/drawing/2014/main" id="{D351842F-CFC4-8EFE-17CC-DBC050A25354}"/>
+                <a16:creationId xmlns:a16="http://schemas.microsoft.com/office/drawing/2014/main" id="{DF410A23-26C3-BC39-DA84-0483B9BF56FC}"/>
               </a:ext>
             </a:extLst>
           </p:cNvPr>
@@ -290,7 +290,7 @@
           <p:cNvPr id="6" name="灯片编号占位符 5">
             <a:extLst>
               <a:ext uri="{FF2B5EF4-FFF2-40B4-BE49-F238E27FC236}">
-                <a16:creationId xmlns:a16="http://schemas.microsoft.com/office/drawing/2014/main" id="{11F6EF3A-524A-E563-6ED4-1D1086DE6C50}"/>
+                <a16:creationId xmlns:a16="http://schemas.microsoft.com/office/drawing/2014/main" id="{9A1BCADC-343E-195A-2C50-2C8C088DC252}"/>
               </a:ext>
             </a:extLst>
           </p:cNvPr>
@@ -306,7 +306,7 @@
           <a:bodyPr/>
           <a:lstStyle/>
           <a:p>
-            <a:fld id="{8EDBEC4C-A996-4BCF-A628-AF67D4672C04}" type="slidenum">
+            <a:fld id="{D0497AF3-2AF8-4E32-BC72-F61E6A55E9D3}" type="slidenum">
               <a:rPr lang="zh-CN" altLang="en-US" smtClean="0"/>
               <a:t>‹#›</a:t>
             </a:fld>
@@ -317,7 +317,7 @@
     </p:spTree>
     <p:extLst>
       <p:ext uri="{BB962C8B-B14F-4D97-AF65-F5344CB8AC3E}">
-        <p14:creationId xmlns:p14="http://schemas.microsoft.com/office/powerpoint/2010/main" val="527785542"/>
+        <p14:creationId xmlns:p14="http://schemas.microsoft.com/office/powerpoint/2010/main" val="3663566201"/>
       </p:ext>
     </p:extLst>
   </p:cSld>
@@ -349,7 +349,7 @@
           <p:cNvPr id="2" name="标题 1">
             <a:extLst>
               <a:ext uri="{FF2B5EF4-FFF2-40B4-BE49-F238E27FC236}">
-                <a16:creationId xmlns:a16="http://schemas.microsoft.com/office/drawing/2014/main" id="{CB85BBD9-25FC-5540-79CE-E0E3F6AFCAD9}"/>
+                <a16:creationId xmlns:a16="http://schemas.microsoft.com/office/drawing/2014/main" id="{CB74A61A-81A1-1B76-2037-A9718D88596E}"/>
               </a:ext>
             </a:extLst>
           </p:cNvPr>
@@ -377,7 +377,7 @@
           <p:cNvPr id="3" name="竖排文字占位符 2">
             <a:extLst>
               <a:ext uri="{FF2B5EF4-FFF2-40B4-BE49-F238E27FC236}">
-                <a16:creationId xmlns:a16="http://schemas.microsoft.com/office/drawing/2014/main" id="{4DC50BB9-5CE8-AAF6-927F-1CC857000AC8}"/>
+                <a16:creationId xmlns:a16="http://schemas.microsoft.com/office/drawing/2014/main" id="{04B15476-FDCA-7EF1-046F-EA22B50EB6DE}"/>
               </a:ext>
             </a:extLst>
           </p:cNvPr>
@@ -434,7 +434,7 @@
           <p:cNvPr id="4" name="日期占位符 3">
             <a:extLst>
               <a:ext uri="{FF2B5EF4-FFF2-40B4-BE49-F238E27FC236}">
-                <a16:creationId xmlns:a16="http://schemas.microsoft.com/office/drawing/2014/main" id="{4D657CB3-416D-4B6F-D3B8-573EBB96FEF0}"/>
+                <a16:creationId xmlns:a16="http://schemas.microsoft.com/office/drawing/2014/main" id="{C4846C78-EE29-40F8-11C2-76538886ABF9}"/>
               </a:ext>
             </a:extLst>
           </p:cNvPr>
@@ -450,7 +450,7 @@
           <a:bodyPr/>
           <a:lstStyle/>
           <a:p>
-            <a:fld id="{BE4AA9EE-DC50-46A0-AEA3-57237EC51479}" type="datetimeFigureOut">
+            <a:fld id="{A7B1C9D6-F6B0-4E50-ACC4-33E427CDD700}" type="datetimeFigureOut">
               <a:rPr lang="zh-CN" altLang="en-US" smtClean="0"/>
               <a:t>2024/3/10</a:t>
             </a:fld>
@@ -463,7 +463,7 @@
           <p:cNvPr id="5" name="页脚占位符 4">
             <a:extLst>
               <a:ext uri="{FF2B5EF4-FFF2-40B4-BE49-F238E27FC236}">
-                <a16:creationId xmlns:a16="http://schemas.microsoft.com/office/drawing/2014/main" id="{D726C140-6752-7455-9615-C01BB545A073}"/>
+                <a16:creationId xmlns:a16="http://schemas.microsoft.com/office/drawing/2014/main" id="{7B925504-4FFD-4BAA-DD07-18123087F6F2}"/>
               </a:ext>
             </a:extLst>
           </p:cNvPr>
@@ -488,7 +488,7 @@
           <p:cNvPr id="6" name="灯片编号占位符 5">
             <a:extLst>
               <a:ext uri="{FF2B5EF4-FFF2-40B4-BE49-F238E27FC236}">
-                <a16:creationId xmlns:a16="http://schemas.microsoft.com/office/drawing/2014/main" id="{5F8D4AD9-0674-6AC2-385C-1BB5FF6B8364}"/>
+                <a16:creationId xmlns:a16="http://schemas.microsoft.com/office/drawing/2014/main" id="{F55DDA5A-DEBB-3BE9-2622-4E611483F471}"/>
               </a:ext>
             </a:extLst>
           </p:cNvPr>
@@ -504,7 +504,7 @@
           <a:bodyPr/>
           <a:lstStyle/>
           <a:p>
-            <a:fld id="{8EDBEC4C-A996-4BCF-A628-AF67D4672C04}" type="slidenum">
+            <a:fld id="{D0497AF3-2AF8-4E32-BC72-F61E6A55E9D3}" type="slidenum">
               <a:rPr lang="zh-CN" altLang="en-US" smtClean="0"/>
               <a:t>‹#›</a:t>
             </a:fld>
@@ -515,7 +515,7 @@
     </p:spTree>
     <p:extLst>
       <p:ext uri="{BB962C8B-B14F-4D97-AF65-F5344CB8AC3E}">
-        <p14:creationId xmlns:p14="http://schemas.microsoft.com/office/powerpoint/2010/main" val="3726696365"/>
+        <p14:creationId xmlns:p14="http://schemas.microsoft.com/office/powerpoint/2010/main" val="152859769"/>
       </p:ext>
     </p:extLst>
   </p:cSld>
@@ -547,7 +547,7 @@
           <p:cNvPr id="2" name="竖排标题 1">
             <a:extLst>
               <a:ext uri="{FF2B5EF4-FFF2-40B4-BE49-F238E27FC236}">
-                <a16:creationId xmlns:a16="http://schemas.microsoft.com/office/drawing/2014/main" id="{05AC441B-A5DA-6662-EFA9-873114D3F315}"/>
+                <a16:creationId xmlns:a16="http://schemas.microsoft.com/office/drawing/2014/main" id="{2824D496-6845-A8C7-A98D-EF80D1EC3305}"/>
               </a:ext>
             </a:extLst>
           </p:cNvPr>
@@ -580,7 +580,7 @@
           <p:cNvPr id="3" name="竖排文字占位符 2">
             <a:extLst>
               <a:ext uri="{FF2B5EF4-FFF2-40B4-BE49-F238E27FC236}">
-                <a16:creationId xmlns:a16="http://schemas.microsoft.com/office/drawing/2014/main" id="{A4BD1870-11C6-A780-FDC7-9662DDB6C733}"/>
+                <a16:creationId xmlns:a16="http://schemas.microsoft.com/office/drawing/2014/main" id="{EF82B8B6-C793-18C6-0B1A-CCF5329EC6F9}"/>
               </a:ext>
             </a:extLst>
           </p:cNvPr>
@@ -642,7 +642,7 @@
           <p:cNvPr id="4" name="日期占位符 3">
             <a:extLst>
               <a:ext uri="{FF2B5EF4-FFF2-40B4-BE49-F238E27FC236}">
-                <a16:creationId xmlns:a16="http://schemas.microsoft.com/office/drawing/2014/main" id="{65A5370B-2F72-4FD2-2A39-DEF6470C4363}"/>
+                <a16:creationId xmlns:a16="http://schemas.microsoft.com/office/drawing/2014/main" id="{5701DB2E-E0A4-0906-97AC-840639E5EF64}"/>
               </a:ext>
             </a:extLst>
           </p:cNvPr>
@@ -658,7 +658,7 @@
           <a:bodyPr/>
           <a:lstStyle/>
           <a:p>
-            <a:fld id="{BE4AA9EE-DC50-46A0-AEA3-57237EC51479}" type="datetimeFigureOut">
+            <a:fld id="{A7B1C9D6-F6B0-4E50-ACC4-33E427CDD700}" type="datetimeFigureOut">
               <a:rPr lang="zh-CN" altLang="en-US" smtClean="0"/>
               <a:t>2024/3/10</a:t>
             </a:fld>
@@ -671,7 +671,7 @@
           <p:cNvPr id="5" name="页脚占位符 4">
             <a:extLst>
               <a:ext uri="{FF2B5EF4-FFF2-40B4-BE49-F238E27FC236}">
-                <a16:creationId xmlns:a16="http://schemas.microsoft.com/office/drawing/2014/main" id="{03735503-8577-919C-9FFD-606FD5BEF19F}"/>
+                <a16:creationId xmlns:a16="http://schemas.microsoft.com/office/drawing/2014/main" id="{57C398FE-F18E-416D-57F7-A3BB916B2A4E}"/>
               </a:ext>
             </a:extLst>
           </p:cNvPr>
@@ -696,7 +696,7 @@
           <p:cNvPr id="6" name="灯片编号占位符 5">
             <a:extLst>
               <a:ext uri="{FF2B5EF4-FFF2-40B4-BE49-F238E27FC236}">
-                <a16:creationId xmlns:a16="http://schemas.microsoft.com/office/drawing/2014/main" id="{41FE8F37-C245-8A24-B23F-F9D1A163141B}"/>
+                <a16:creationId xmlns:a16="http://schemas.microsoft.com/office/drawing/2014/main" id="{1F4757E1-30B2-F5AB-78C6-439CBD835D50}"/>
               </a:ext>
             </a:extLst>
           </p:cNvPr>
@@ -712,7 +712,7 @@
           <a:bodyPr/>
           <a:lstStyle/>
           <a:p>
-            <a:fld id="{8EDBEC4C-A996-4BCF-A628-AF67D4672C04}" type="slidenum">
+            <a:fld id="{D0497AF3-2AF8-4E32-BC72-F61E6A55E9D3}" type="slidenum">
               <a:rPr lang="zh-CN" altLang="en-US" smtClean="0"/>
               <a:t>‹#›</a:t>
             </a:fld>
@@ -723,7 +723,7 @@
     </p:spTree>
     <p:extLst>
       <p:ext uri="{BB962C8B-B14F-4D97-AF65-F5344CB8AC3E}">
-        <p14:creationId xmlns:p14="http://schemas.microsoft.com/office/powerpoint/2010/main" val="181525162"/>
+        <p14:creationId xmlns:p14="http://schemas.microsoft.com/office/powerpoint/2010/main" val="3481198426"/>
       </p:ext>
     </p:extLst>
   </p:cSld>
@@ -755,7 +755,7 @@
           <p:cNvPr id="2" name="标题 1">
             <a:extLst>
               <a:ext uri="{FF2B5EF4-FFF2-40B4-BE49-F238E27FC236}">
-                <a16:creationId xmlns:a16="http://schemas.microsoft.com/office/drawing/2014/main" id="{4189D75A-2359-AB18-CE3F-17101C9219B3}"/>
+                <a16:creationId xmlns:a16="http://schemas.microsoft.com/office/drawing/2014/main" id="{7ADE36F7-428D-B22F-8C34-FB058BF6396B}"/>
               </a:ext>
             </a:extLst>
           </p:cNvPr>
@@ -783,7 +783,7 @@
           <p:cNvPr id="3" name="内容占位符 2">
             <a:extLst>
               <a:ext uri="{FF2B5EF4-FFF2-40B4-BE49-F238E27FC236}">
-                <a16:creationId xmlns:a16="http://schemas.microsoft.com/office/drawing/2014/main" id="{02BA7951-3194-4BC4-90EE-22366106A3BA}"/>
+                <a16:creationId xmlns:a16="http://schemas.microsoft.com/office/drawing/2014/main" id="{904B2902-AB63-8654-08FD-2584F19E66F9}"/>
               </a:ext>
             </a:extLst>
           </p:cNvPr>
@@ -840,7 +840,7 @@
           <p:cNvPr id="4" name="日期占位符 3">
             <a:extLst>
               <a:ext uri="{FF2B5EF4-FFF2-40B4-BE49-F238E27FC236}">
-                <a16:creationId xmlns:a16="http://schemas.microsoft.com/office/drawing/2014/main" id="{EAF34684-2032-F608-0B27-66B49DBC4C0B}"/>
+                <a16:creationId xmlns:a16="http://schemas.microsoft.com/office/drawing/2014/main" id="{C6E39C2A-00C5-AC50-D0FE-8B0F50DA615C}"/>
               </a:ext>
             </a:extLst>
           </p:cNvPr>
@@ -856,7 +856,7 @@
           <a:bodyPr/>
           <a:lstStyle/>
           <a:p>
-            <a:fld id="{BE4AA9EE-DC50-46A0-AEA3-57237EC51479}" type="datetimeFigureOut">
+            <a:fld id="{A7B1C9D6-F6B0-4E50-ACC4-33E427CDD700}" type="datetimeFigureOut">
               <a:rPr lang="zh-CN" altLang="en-US" smtClean="0"/>
               <a:t>2024/3/10</a:t>
             </a:fld>
@@ -869,7 +869,7 @@
           <p:cNvPr id="5" name="页脚占位符 4">
             <a:extLst>
               <a:ext uri="{FF2B5EF4-FFF2-40B4-BE49-F238E27FC236}">
-                <a16:creationId xmlns:a16="http://schemas.microsoft.com/office/drawing/2014/main" id="{B7E8698C-853C-32AF-67DD-9CC97C31CBA1}"/>
+                <a16:creationId xmlns:a16="http://schemas.microsoft.com/office/drawing/2014/main" id="{8C63FF8B-A913-857E-48C5-E8998C65AB2A}"/>
               </a:ext>
             </a:extLst>
           </p:cNvPr>
@@ -894,7 +894,7 @@
           <p:cNvPr id="6" name="灯片编号占位符 5">
             <a:extLst>
               <a:ext uri="{FF2B5EF4-FFF2-40B4-BE49-F238E27FC236}">
-                <a16:creationId xmlns:a16="http://schemas.microsoft.com/office/drawing/2014/main" id="{45823946-7CD6-AB76-5224-EA1B29E60247}"/>
+                <a16:creationId xmlns:a16="http://schemas.microsoft.com/office/drawing/2014/main" id="{A13832C2-DC55-0D48-459E-689C6C76AAD4}"/>
               </a:ext>
             </a:extLst>
           </p:cNvPr>
@@ -910,7 +910,7 @@
           <a:bodyPr/>
           <a:lstStyle/>
           <a:p>
-            <a:fld id="{8EDBEC4C-A996-4BCF-A628-AF67D4672C04}" type="slidenum">
+            <a:fld id="{D0497AF3-2AF8-4E32-BC72-F61E6A55E9D3}" type="slidenum">
               <a:rPr lang="zh-CN" altLang="en-US" smtClean="0"/>
               <a:t>‹#›</a:t>
             </a:fld>
@@ -921,7 +921,7 @@
     </p:spTree>
     <p:extLst>
       <p:ext uri="{BB962C8B-B14F-4D97-AF65-F5344CB8AC3E}">
-        <p14:creationId xmlns:p14="http://schemas.microsoft.com/office/powerpoint/2010/main" val="3493403656"/>
+        <p14:creationId xmlns:p14="http://schemas.microsoft.com/office/powerpoint/2010/main" val="2265246881"/>
       </p:ext>
     </p:extLst>
   </p:cSld>
@@ -953,7 +953,7 @@
           <p:cNvPr id="2" name="标题 1">
             <a:extLst>
               <a:ext uri="{FF2B5EF4-FFF2-40B4-BE49-F238E27FC236}">
-                <a16:creationId xmlns:a16="http://schemas.microsoft.com/office/drawing/2014/main" id="{5DC0888D-F874-2B14-9C2F-F680EA122E82}"/>
+                <a16:creationId xmlns:a16="http://schemas.microsoft.com/office/drawing/2014/main" id="{9D8C2A25-7385-408C-DC13-B3FC995D7E98}"/>
               </a:ext>
             </a:extLst>
           </p:cNvPr>
@@ -990,7 +990,7 @@
           <p:cNvPr id="3" name="文本占位符 2">
             <a:extLst>
               <a:ext uri="{FF2B5EF4-FFF2-40B4-BE49-F238E27FC236}">
-                <a16:creationId xmlns:a16="http://schemas.microsoft.com/office/drawing/2014/main" id="{B21CE1F7-EF21-AF01-866C-D5D9A54D5BD4}"/>
+                <a16:creationId xmlns:a16="http://schemas.microsoft.com/office/drawing/2014/main" id="{8ECDDE77-7FF7-5455-223F-4AC11462E025}"/>
               </a:ext>
             </a:extLst>
           </p:cNvPr>
@@ -1115,7 +1115,7 @@
           <p:cNvPr id="4" name="日期占位符 3">
             <a:extLst>
               <a:ext uri="{FF2B5EF4-FFF2-40B4-BE49-F238E27FC236}">
-                <a16:creationId xmlns:a16="http://schemas.microsoft.com/office/drawing/2014/main" id="{40DD17EC-16EE-2A8F-BEDF-58F85E4BA225}"/>
+                <a16:creationId xmlns:a16="http://schemas.microsoft.com/office/drawing/2014/main" id="{F11297DC-1C35-6E6B-6464-6B2A10AAC08D}"/>
               </a:ext>
             </a:extLst>
           </p:cNvPr>
@@ -1131,7 +1131,7 @@
           <a:bodyPr/>
           <a:lstStyle/>
           <a:p>
-            <a:fld id="{BE4AA9EE-DC50-46A0-AEA3-57237EC51479}" type="datetimeFigureOut">
+            <a:fld id="{A7B1C9D6-F6B0-4E50-ACC4-33E427CDD700}" type="datetimeFigureOut">
               <a:rPr lang="zh-CN" altLang="en-US" smtClean="0"/>
               <a:t>2024/3/10</a:t>
             </a:fld>
@@ -1144,7 +1144,7 @@
           <p:cNvPr id="5" name="页脚占位符 4">
             <a:extLst>
               <a:ext uri="{FF2B5EF4-FFF2-40B4-BE49-F238E27FC236}">
-                <a16:creationId xmlns:a16="http://schemas.microsoft.com/office/drawing/2014/main" id="{1D36D7D4-45CD-DD11-F435-A6C0521FBBDF}"/>
+                <a16:creationId xmlns:a16="http://schemas.microsoft.com/office/drawing/2014/main" id="{0D417018-3FB4-8C2A-A89C-F41A1C421B78}"/>
               </a:ext>
             </a:extLst>
           </p:cNvPr>
@@ -1169,7 +1169,7 @@
           <p:cNvPr id="6" name="灯片编号占位符 5">
             <a:extLst>
               <a:ext uri="{FF2B5EF4-FFF2-40B4-BE49-F238E27FC236}">
-                <a16:creationId xmlns:a16="http://schemas.microsoft.com/office/drawing/2014/main" id="{8E1F90FE-3339-2419-AC8C-0D82E19D301D}"/>
+                <a16:creationId xmlns:a16="http://schemas.microsoft.com/office/drawing/2014/main" id="{5F2C99F4-3009-0D4E-5605-BE1BFAE070E6}"/>
               </a:ext>
             </a:extLst>
           </p:cNvPr>
@@ -1185,7 +1185,7 @@
           <a:bodyPr/>
           <a:lstStyle/>
           <a:p>
-            <a:fld id="{8EDBEC4C-A996-4BCF-A628-AF67D4672C04}" type="slidenum">
+            <a:fld id="{D0497AF3-2AF8-4E32-BC72-F61E6A55E9D3}" type="slidenum">
               <a:rPr lang="zh-CN" altLang="en-US" smtClean="0"/>
               <a:t>‹#›</a:t>
             </a:fld>
@@ -1196,7 +1196,7 @@
     </p:spTree>
     <p:extLst>
       <p:ext uri="{BB962C8B-B14F-4D97-AF65-F5344CB8AC3E}">
-        <p14:creationId xmlns:p14="http://schemas.microsoft.com/office/powerpoint/2010/main" val="2369855369"/>
+        <p14:creationId xmlns:p14="http://schemas.microsoft.com/office/powerpoint/2010/main" val="1488539819"/>
       </p:ext>
     </p:extLst>
   </p:cSld>
@@ -1228,7 +1228,7 @@
           <p:cNvPr id="2" name="标题 1">
             <a:extLst>
               <a:ext uri="{FF2B5EF4-FFF2-40B4-BE49-F238E27FC236}">
-                <a16:creationId xmlns:a16="http://schemas.microsoft.com/office/drawing/2014/main" id="{27516FF0-76DA-469C-D387-9B76804649CD}"/>
+                <a16:creationId xmlns:a16="http://schemas.microsoft.com/office/drawing/2014/main" id="{5D8F9E2E-242A-A010-214C-85605E61614C}"/>
               </a:ext>
             </a:extLst>
           </p:cNvPr>
@@ -1256,7 +1256,7 @@
           <p:cNvPr id="3" name="内容占位符 2">
             <a:extLst>
               <a:ext uri="{FF2B5EF4-FFF2-40B4-BE49-F238E27FC236}">
-                <a16:creationId xmlns:a16="http://schemas.microsoft.com/office/drawing/2014/main" id="{B216AAD8-7C37-122A-9FB6-AF6EE77CCCC0}"/>
+                <a16:creationId xmlns:a16="http://schemas.microsoft.com/office/drawing/2014/main" id="{889FEFA2-CE0A-0796-36E7-CFF2DDDDC726}"/>
               </a:ext>
             </a:extLst>
           </p:cNvPr>
@@ -1318,7 +1318,7 @@
           <p:cNvPr id="4" name="内容占位符 3">
             <a:extLst>
               <a:ext uri="{FF2B5EF4-FFF2-40B4-BE49-F238E27FC236}">
-                <a16:creationId xmlns:a16="http://schemas.microsoft.com/office/drawing/2014/main" id="{20AFD07F-153D-4E41-D338-6EA995FEF343}"/>
+                <a16:creationId xmlns:a16="http://schemas.microsoft.com/office/drawing/2014/main" id="{ECE52401-B29C-7D58-9115-9A8230B0B153}"/>
               </a:ext>
             </a:extLst>
           </p:cNvPr>
@@ -1380,7 +1380,7 @@
           <p:cNvPr id="5" name="日期占位符 4">
             <a:extLst>
               <a:ext uri="{FF2B5EF4-FFF2-40B4-BE49-F238E27FC236}">
-                <a16:creationId xmlns:a16="http://schemas.microsoft.com/office/drawing/2014/main" id="{A8916AE9-26A4-CC86-1F7E-1AB77079A8F5}"/>
+                <a16:creationId xmlns:a16="http://schemas.microsoft.com/office/drawing/2014/main" id="{F396795C-EA27-2CC1-36D3-D94AD9A93250}"/>
               </a:ext>
             </a:extLst>
           </p:cNvPr>
@@ -1396,7 +1396,7 @@
           <a:bodyPr/>
           <a:lstStyle/>
           <a:p>
-            <a:fld id="{BE4AA9EE-DC50-46A0-AEA3-57237EC51479}" type="datetimeFigureOut">
+            <a:fld id="{A7B1C9D6-F6B0-4E50-ACC4-33E427CDD700}" type="datetimeFigureOut">
               <a:rPr lang="zh-CN" altLang="en-US" smtClean="0"/>
               <a:t>2024/3/10</a:t>
             </a:fld>
@@ -1409,7 +1409,7 @@
           <p:cNvPr id="6" name="页脚占位符 5">
             <a:extLst>
               <a:ext uri="{FF2B5EF4-FFF2-40B4-BE49-F238E27FC236}">
-                <a16:creationId xmlns:a16="http://schemas.microsoft.com/office/drawing/2014/main" id="{7E2AD1EA-5416-E84A-B08B-5A380CF59527}"/>
+                <a16:creationId xmlns:a16="http://schemas.microsoft.com/office/drawing/2014/main" id="{47BF31F2-164A-8466-71FD-F2D536925021}"/>
               </a:ext>
             </a:extLst>
           </p:cNvPr>
@@ -1434,7 +1434,7 @@
           <p:cNvPr id="7" name="灯片编号占位符 6">
             <a:extLst>
               <a:ext uri="{FF2B5EF4-FFF2-40B4-BE49-F238E27FC236}">
-                <a16:creationId xmlns:a16="http://schemas.microsoft.com/office/drawing/2014/main" id="{C78D8B2F-A17F-4501-4120-1E1459F01147}"/>
+                <a16:creationId xmlns:a16="http://schemas.microsoft.com/office/drawing/2014/main" id="{98D9A5F0-E8AB-4E95-0237-0A2AA28C8C77}"/>
               </a:ext>
             </a:extLst>
           </p:cNvPr>
@@ -1450,7 +1450,7 @@
           <a:bodyPr/>
           <a:lstStyle/>
           <a:p>
-            <a:fld id="{8EDBEC4C-A996-4BCF-A628-AF67D4672C04}" type="slidenum">
+            <a:fld id="{D0497AF3-2AF8-4E32-BC72-F61E6A55E9D3}" type="slidenum">
               <a:rPr lang="zh-CN" altLang="en-US" smtClean="0"/>
               <a:t>‹#›</a:t>
             </a:fld>
@@ -1461,7 +1461,7 @@
     </p:spTree>
     <p:extLst>
       <p:ext uri="{BB962C8B-B14F-4D97-AF65-F5344CB8AC3E}">
-        <p14:creationId xmlns:p14="http://schemas.microsoft.com/office/powerpoint/2010/main" val="2650510213"/>
+        <p14:creationId xmlns:p14="http://schemas.microsoft.com/office/powerpoint/2010/main" val="310598971"/>
       </p:ext>
     </p:extLst>
   </p:cSld>
@@ -1493,7 +1493,7 @@
           <p:cNvPr id="2" name="标题 1">
             <a:extLst>
               <a:ext uri="{FF2B5EF4-FFF2-40B4-BE49-F238E27FC236}">
-                <a16:creationId xmlns:a16="http://schemas.microsoft.com/office/drawing/2014/main" id="{19A98050-5EC6-4C07-C9E9-1D90ABFEE0FC}"/>
+                <a16:creationId xmlns:a16="http://schemas.microsoft.com/office/drawing/2014/main" id="{EEAF0615-920D-796E-CA80-5A864EE59B7F}"/>
               </a:ext>
             </a:extLst>
           </p:cNvPr>
@@ -1526,7 +1526,7 @@
           <p:cNvPr id="3" name="文本占位符 2">
             <a:extLst>
               <a:ext uri="{FF2B5EF4-FFF2-40B4-BE49-F238E27FC236}">
-                <a16:creationId xmlns:a16="http://schemas.microsoft.com/office/drawing/2014/main" id="{FF722425-E66E-62D9-2D18-71023A1CD2D7}"/>
+                <a16:creationId xmlns:a16="http://schemas.microsoft.com/office/drawing/2014/main" id="{5BDAA6F9-2226-42CF-868B-1AF2DC4FF214}"/>
               </a:ext>
             </a:extLst>
           </p:cNvPr>
@@ -1597,7 +1597,7 @@
           <p:cNvPr id="4" name="内容占位符 3">
             <a:extLst>
               <a:ext uri="{FF2B5EF4-FFF2-40B4-BE49-F238E27FC236}">
-                <a16:creationId xmlns:a16="http://schemas.microsoft.com/office/drawing/2014/main" id="{3859812A-EF5F-CE7C-3710-D35D238D7CDC}"/>
+                <a16:creationId xmlns:a16="http://schemas.microsoft.com/office/drawing/2014/main" id="{3E5983D5-0AD4-3B51-BA6D-F060179ACD28}"/>
               </a:ext>
             </a:extLst>
           </p:cNvPr>
@@ -1659,7 +1659,7 @@
           <p:cNvPr id="5" name="文本占位符 4">
             <a:extLst>
               <a:ext uri="{FF2B5EF4-FFF2-40B4-BE49-F238E27FC236}">
-                <a16:creationId xmlns:a16="http://schemas.microsoft.com/office/drawing/2014/main" id="{0752A611-3E0C-CCE4-2FB3-548E8DCC166C}"/>
+                <a16:creationId xmlns:a16="http://schemas.microsoft.com/office/drawing/2014/main" id="{40103A32-6E1A-C47C-539F-5E74F4D874B0}"/>
               </a:ext>
             </a:extLst>
           </p:cNvPr>
@@ -1730,7 +1730,7 @@
           <p:cNvPr id="6" name="内容占位符 5">
             <a:extLst>
               <a:ext uri="{FF2B5EF4-FFF2-40B4-BE49-F238E27FC236}">
-                <a16:creationId xmlns:a16="http://schemas.microsoft.com/office/drawing/2014/main" id="{1CFDA906-10DE-E711-2BC7-1D2984B83865}"/>
+                <a16:creationId xmlns:a16="http://schemas.microsoft.com/office/drawing/2014/main" id="{42483724-87A4-0A48-4489-3E9138F670A8}"/>
               </a:ext>
             </a:extLst>
           </p:cNvPr>
@@ -1792,7 +1792,7 @@
           <p:cNvPr id="7" name="日期占位符 6">
             <a:extLst>
               <a:ext uri="{FF2B5EF4-FFF2-40B4-BE49-F238E27FC236}">
-                <a16:creationId xmlns:a16="http://schemas.microsoft.com/office/drawing/2014/main" id="{758C4A30-FF26-E155-9844-7532DD419158}"/>
+                <a16:creationId xmlns:a16="http://schemas.microsoft.com/office/drawing/2014/main" id="{D9DE6751-592A-7C60-9C0C-7E118394790A}"/>
               </a:ext>
             </a:extLst>
           </p:cNvPr>
@@ -1808,7 +1808,7 @@
           <a:bodyPr/>
           <a:lstStyle/>
           <a:p>
-            <a:fld id="{BE4AA9EE-DC50-46A0-AEA3-57237EC51479}" type="datetimeFigureOut">
+            <a:fld id="{A7B1C9D6-F6B0-4E50-ACC4-33E427CDD700}" type="datetimeFigureOut">
               <a:rPr lang="zh-CN" altLang="en-US" smtClean="0"/>
               <a:t>2024/3/10</a:t>
             </a:fld>
@@ -1821,7 +1821,7 @@
           <p:cNvPr id="8" name="页脚占位符 7">
             <a:extLst>
               <a:ext uri="{FF2B5EF4-FFF2-40B4-BE49-F238E27FC236}">
-                <a16:creationId xmlns:a16="http://schemas.microsoft.com/office/drawing/2014/main" id="{9999EA30-D678-074D-8766-8C9F00BE727F}"/>
+                <a16:creationId xmlns:a16="http://schemas.microsoft.com/office/drawing/2014/main" id="{55A5D53E-FC17-035F-8F4F-A290B1C7A136}"/>
               </a:ext>
             </a:extLst>
           </p:cNvPr>
@@ -1846,7 +1846,7 @@
           <p:cNvPr id="9" name="灯片编号占位符 8">
             <a:extLst>
               <a:ext uri="{FF2B5EF4-FFF2-40B4-BE49-F238E27FC236}">
-                <a16:creationId xmlns:a16="http://schemas.microsoft.com/office/drawing/2014/main" id="{0BBC16A1-6186-A0DF-4F52-D7872B5689A6}"/>
+                <a16:creationId xmlns:a16="http://schemas.microsoft.com/office/drawing/2014/main" id="{1D18FC83-0EC2-1544-DDBD-D2ED168D336E}"/>
               </a:ext>
             </a:extLst>
           </p:cNvPr>
@@ -1862,7 +1862,7 @@
           <a:bodyPr/>
           <a:lstStyle/>
           <a:p>
-            <a:fld id="{8EDBEC4C-A996-4BCF-A628-AF67D4672C04}" type="slidenum">
+            <a:fld id="{D0497AF3-2AF8-4E32-BC72-F61E6A55E9D3}" type="slidenum">
               <a:rPr lang="zh-CN" altLang="en-US" smtClean="0"/>
               <a:t>‹#›</a:t>
             </a:fld>
@@ -1873,7 +1873,7 @@
     </p:spTree>
     <p:extLst>
       <p:ext uri="{BB962C8B-B14F-4D97-AF65-F5344CB8AC3E}">
-        <p14:creationId xmlns:p14="http://schemas.microsoft.com/office/powerpoint/2010/main" val="3566736904"/>
+        <p14:creationId xmlns:p14="http://schemas.microsoft.com/office/powerpoint/2010/main" val="4084851390"/>
       </p:ext>
     </p:extLst>
   </p:cSld>
@@ -1905,7 +1905,7 @@
           <p:cNvPr id="2" name="标题 1">
             <a:extLst>
               <a:ext uri="{FF2B5EF4-FFF2-40B4-BE49-F238E27FC236}">
-                <a16:creationId xmlns:a16="http://schemas.microsoft.com/office/drawing/2014/main" id="{7C9CBA41-ECD2-FADF-B22A-9115C353F6B8}"/>
+                <a16:creationId xmlns:a16="http://schemas.microsoft.com/office/drawing/2014/main" id="{B608A584-6C80-9485-8033-EC6006D6E3EE}"/>
               </a:ext>
             </a:extLst>
           </p:cNvPr>
@@ -1933,7 +1933,7 @@
           <p:cNvPr id="3" name="日期占位符 2">
             <a:extLst>
               <a:ext uri="{FF2B5EF4-FFF2-40B4-BE49-F238E27FC236}">
-                <a16:creationId xmlns:a16="http://schemas.microsoft.com/office/drawing/2014/main" id="{DBDEC89A-BDEF-4B1B-2A28-A2804C40EE7A}"/>
+                <a16:creationId xmlns:a16="http://schemas.microsoft.com/office/drawing/2014/main" id="{04A006AC-3269-EA43-FF24-C0C3B5C02DA4}"/>
               </a:ext>
             </a:extLst>
           </p:cNvPr>
@@ -1949,7 +1949,7 @@
           <a:bodyPr/>
           <a:lstStyle/>
           <a:p>
-            <a:fld id="{BE4AA9EE-DC50-46A0-AEA3-57237EC51479}" type="datetimeFigureOut">
+            <a:fld id="{A7B1C9D6-F6B0-4E50-ACC4-33E427CDD700}" type="datetimeFigureOut">
               <a:rPr lang="zh-CN" altLang="en-US" smtClean="0"/>
               <a:t>2024/3/10</a:t>
             </a:fld>
@@ -1962,7 +1962,7 @@
           <p:cNvPr id="4" name="页脚占位符 3">
             <a:extLst>
               <a:ext uri="{FF2B5EF4-FFF2-40B4-BE49-F238E27FC236}">
-                <a16:creationId xmlns:a16="http://schemas.microsoft.com/office/drawing/2014/main" id="{6E6AB139-3252-71DB-239D-CEEDA9D60CE7}"/>
+                <a16:creationId xmlns:a16="http://schemas.microsoft.com/office/drawing/2014/main" id="{6E8A6083-97C6-749A-818B-F33D2D4C2E68}"/>
               </a:ext>
             </a:extLst>
           </p:cNvPr>
@@ -1987,7 +1987,7 @@
           <p:cNvPr id="5" name="灯片编号占位符 4">
             <a:extLst>
               <a:ext uri="{FF2B5EF4-FFF2-40B4-BE49-F238E27FC236}">
-                <a16:creationId xmlns:a16="http://schemas.microsoft.com/office/drawing/2014/main" id="{C7A509D1-C87D-B967-C290-D1256BD90078}"/>
+                <a16:creationId xmlns:a16="http://schemas.microsoft.com/office/drawing/2014/main" id="{EF123FD8-835E-CA9B-A4D6-F6F4BE38FFEF}"/>
               </a:ext>
             </a:extLst>
           </p:cNvPr>
@@ -2003,7 +2003,7 @@
           <a:bodyPr/>
           <a:lstStyle/>
           <a:p>
-            <a:fld id="{8EDBEC4C-A996-4BCF-A628-AF67D4672C04}" type="slidenum">
+            <a:fld id="{D0497AF3-2AF8-4E32-BC72-F61E6A55E9D3}" type="slidenum">
               <a:rPr lang="zh-CN" altLang="en-US" smtClean="0"/>
               <a:t>‹#›</a:t>
             </a:fld>
@@ -2014,7 +2014,7 @@
     </p:spTree>
     <p:extLst>
       <p:ext uri="{BB962C8B-B14F-4D97-AF65-F5344CB8AC3E}">
-        <p14:creationId xmlns:p14="http://schemas.microsoft.com/office/powerpoint/2010/main" val="662432552"/>
+        <p14:creationId xmlns:p14="http://schemas.microsoft.com/office/powerpoint/2010/main" val="1206482082"/>
       </p:ext>
     </p:extLst>
   </p:cSld>
@@ -2046,7 +2046,7 @@
           <p:cNvPr id="2" name="日期占位符 1">
             <a:extLst>
               <a:ext uri="{FF2B5EF4-FFF2-40B4-BE49-F238E27FC236}">
-                <a16:creationId xmlns:a16="http://schemas.microsoft.com/office/drawing/2014/main" id="{9699AD88-DC37-ADBC-BE21-CAB59C6FE7F6}"/>
+                <a16:creationId xmlns:a16="http://schemas.microsoft.com/office/drawing/2014/main" id="{110320A9-CE52-2B22-E8BD-8427ECDFEA4C}"/>
               </a:ext>
             </a:extLst>
           </p:cNvPr>
@@ -2062,7 +2062,7 @@
           <a:bodyPr/>
           <a:lstStyle/>
           <a:p>
-            <a:fld id="{BE4AA9EE-DC50-46A0-AEA3-57237EC51479}" type="datetimeFigureOut">
+            <a:fld id="{A7B1C9D6-F6B0-4E50-ACC4-33E427CDD700}" type="datetimeFigureOut">
               <a:rPr lang="zh-CN" altLang="en-US" smtClean="0"/>
               <a:t>2024/3/10</a:t>
             </a:fld>
@@ -2075,7 +2075,7 @@
           <p:cNvPr id="3" name="页脚占位符 2">
             <a:extLst>
               <a:ext uri="{FF2B5EF4-FFF2-40B4-BE49-F238E27FC236}">
-                <a16:creationId xmlns:a16="http://schemas.microsoft.com/office/drawing/2014/main" id="{C7BDC19A-52D4-4F44-1349-4B8397D774E9}"/>
+                <a16:creationId xmlns:a16="http://schemas.microsoft.com/office/drawing/2014/main" id="{2872655F-F20B-9AAC-4587-473042743930}"/>
               </a:ext>
             </a:extLst>
           </p:cNvPr>
@@ -2100,7 +2100,7 @@
           <p:cNvPr id="4" name="灯片编号占位符 3">
             <a:extLst>
               <a:ext uri="{FF2B5EF4-FFF2-40B4-BE49-F238E27FC236}">
-                <a16:creationId xmlns:a16="http://schemas.microsoft.com/office/drawing/2014/main" id="{3B494A02-A2F4-A1D8-F58B-24167D29F129}"/>
+                <a16:creationId xmlns:a16="http://schemas.microsoft.com/office/drawing/2014/main" id="{74EF82CB-9C2F-1527-1562-9907D0AE19A6}"/>
               </a:ext>
             </a:extLst>
           </p:cNvPr>
@@ -2116,7 +2116,7 @@
           <a:bodyPr/>
           <a:lstStyle/>
           <a:p>
-            <a:fld id="{8EDBEC4C-A996-4BCF-A628-AF67D4672C04}" type="slidenum">
+            <a:fld id="{D0497AF3-2AF8-4E32-BC72-F61E6A55E9D3}" type="slidenum">
               <a:rPr lang="zh-CN" altLang="en-US" smtClean="0"/>
               <a:t>‹#›</a:t>
             </a:fld>
@@ -2127,7 +2127,7 @@
     </p:spTree>
     <p:extLst>
       <p:ext uri="{BB962C8B-B14F-4D97-AF65-F5344CB8AC3E}">
-        <p14:creationId xmlns:p14="http://schemas.microsoft.com/office/powerpoint/2010/main" val="1621262541"/>
+        <p14:creationId xmlns:p14="http://schemas.microsoft.com/office/powerpoint/2010/main" val="1834934887"/>
       </p:ext>
     </p:extLst>
   </p:cSld>
@@ -2159,7 +2159,7 @@
           <p:cNvPr id="2" name="标题 1">
             <a:extLst>
               <a:ext uri="{FF2B5EF4-FFF2-40B4-BE49-F238E27FC236}">
-                <a16:creationId xmlns:a16="http://schemas.microsoft.com/office/drawing/2014/main" id="{A33FF3B7-FC5C-87EB-9E5E-401C08AB3D71}"/>
+                <a16:creationId xmlns:a16="http://schemas.microsoft.com/office/drawing/2014/main" id="{A1C2EA13-4368-A26C-ACD7-6100575E97BB}"/>
               </a:ext>
             </a:extLst>
           </p:cNvPr>
@@ -2196,7 +2196,7 @@
           <p:cNvPr id="3" name="内容占位符 2">
             <a:extLst>
               <a:ext uri="{FF2B5EF4-FFF2-40B4-BE49-F238E27FC236}">
-                <a16:creationId xmlns:a16="http://schemas.microsoft.com/office/drawing/2014/main" id="{9FAED9EE-8A9A-9D02-4BAF-CCFE1E32F5C8}"/>
+                <a16:creationId xmlns:a16="http://schemas.microsoft.com/office/drawing/2014/main" id="{E813C415-40CC-454B-F00E-D754A4732B67}"/>
               </a:ext>
             </a:extLst>
           </p:cNvPr>
@@ -2286,7 +2286,7 @@
           <p:cNvPr id="4" name="文本占位符 3">
             <a:extLst>
               <a:ext uri="{FF2B5EF4-FFF2-40B4-BE49-F238E27FC236}">
-                <a16:creationId xmlns:a16="http://schemas.microsoft.com/office/drawing/2014/main" id="{0D87CA95-4CF5-D563-0751-A24F8CDF1638}"/>
+                <a16:creationId xmlns:a16="http://schemas.microsoft.com/office/drawing/2014/main" id="{03C26C8C-A86B-F2F6-9C29-6C644CE2BFFE}"/>
               </a:ext>
             </a:extLst>
           </p:cNvPr>
@@ -2357,7 +2357,7 @@
           <p:cNvPr id="5" name="日期占位符 4">
             <a:extLst>
               <a:ext uri="{FF2B5EF4-FFF2-40B4-BE49-F238E27FC236}">
-                <a16:creationId xmlns:a16="http://schemas.microsoft.com/office/drawing/2014/main" id="{9B78CDF4-0316-3A19-7A4E-B154B6020255}"/>
+                <a16:creationId xmlns:a16="http://schemas.microsoft.com/office/drawing/2014/main" id="{C2EE595D-34F1-93C1-B4F1-3F6BC47A7867}"/>
               </a:ext>
             </a:extLst>
           </p:cNvPr>
@@ -2373,7 +2373,7 @@
           <a:bodyPr/>
           <a:lstStyle/>
           <a:p>
-            <a:fld id="{BE4AA9EE-DC50-46A0-AEA3-57237EC51479}" type="datetimeFigureOut">
+            <a:fld id="{A7B1C9D6-F6B0-4E50-ACC4-33E427CDD700}" type="datetimeFigureOut">
               <a:rPr lang="zh-CN" altLang="en-US" smtClean="0"/>
               <a:t>2024/3/10</a:t>
             </a:fld>
@@ -2386,7 +2386,7 @@
           <p:cNvPr id="6" name="页脚占位符 5">
             <a:extLst>
               <a:ext uri="{FF2B5EF4-FFF2-40B4-BE49-F238E27FC236}">
-                <a16:creationId xmlns:a16="http://schemas.microsoft.com/office/drawing/2014/main" id="{ACFA5911-517B-76C3-604B-92645DF24051}"/>
+                <a16:creationId xmlns:a16="http://schemas.microsoft.com/office/drawing/2014/main" id="{0195B6F0-9FF9-BC93-5532-BF418614C3C7}"/>
               </a:ext>
             </a:extLst>
           </p:cNvPr>
@@ -2411,7 +2411,7 @@
           <p:cNvPr id="7" name="灯片编号占位符 6">
             <a:extLst>
               <a:ext uri="{FF2B5EF4-FFF2-40B4-BE49-F238E27FC236}">
-                <a16:creationId xmlns:a16="http://schemas.microsoft.com/office/drawing/2014/main" id="{075365C9-E5C7-6878-3F49-17A27B608375}"/>
+                <a16:creationId xmlns:a16="http://schemas.microsoft.com/office/drawing/2014/main" id="{93ADF7C1-7FE7-C0A9-35BB-8FE199A31424}"/>
               </a:ext>
             </a:extLst>
           </p:cNvPr>
@@ -2427,7 +2427,7 @@
           <a:bodyPr/>
           <a:lstStyle/>
           <a:p>
-            <a:fld id="{8EDBEC4C-A996-4BCF-A628-AF67D4672C04}" type="slidenum">
+            <a:fld id="{D0497AF3-2AF8-4E32-BC72-F61E6A55E9D3}" type="slidenum">
               <a:rPr lang="zh-CN" altLang="en-US" smtClean="0"/>
               <a:t>‹#›</a:t>
             </a:fld>
@@ -2438,7 +2438,7 @@
     </p:spTree>
     <p:extLst>
       <p:ext uri="{BB962C8B-B14F-4D97-AF65-F5344CB8AC3E}">
-        <p14:creationId xmlns:p14="http://schemas.microsoft.com/office/powerpoint/2010/main" val="3002756449"/>
+        <p14:creationId xmlns:p14="http://schemas.microsoft.com/office/powerpoint/2010/main" val="125148356"/>
       </p:ext>
     </p:extLst>
   </p:cSld>
@@ -2470,7 +2470,7 @@
           <p:cNvPr id="2" name="标题 1">
             <a:extLst>
               <a:ext uri="{FF2B5EF4-FFF2-40B4-BE49-F238E27FC236}">
-                <a16:creationId xmlns:a16="http://schemas.microsoft.com/office/drawing/2014/main" id="{E8F7073F-FB08-31D4-2C99-B287A2FB49A2}"/>
+                <a16:creationId xmlns:a16="http://schemas.microsoft.com/office/drawing/2014/main" id="{BC65DC93-6DAD-E4C4-33D5-E34A4777A4A6}"/>
               </a:ext>
             </a:extLst>
           </p:cNvPr>
@@ -2507,7 +2507,7 @@
           <p:cNvPr id="3" name="图片占位符 2">
             <a:extLst>
               <a:ext uri="{FF2B5EF4-FFF2-40B4-BE49-F238E27FC236}">
-                <a16:creationId xmlns:a16="http://schemas.microsoft.com/office/drawing/2014/main" id="{2C4FD9E7-75FA-7CE5-BD91-5D51DAF6152D}"/>
+                <a16:creationId xmlns:a16="http://schemas.microsoft.com/office/drawing/2014/main" id="{755AF312-32EB-66B5-369A-AD648C435017}"/>
               </a:ext>
             </a:extLst>
           </p:cNvPr>
@@ -2574,7 +2574,7 @@
           <p:cNvPr id="4" name="文本占位符 3">
             <a:extLst>
               <a:ext uri="{FF2B5EF4-FFF2-40B4-BE49-F238E27FC236}">
-                <a16:creationId xmlns:a16="http://schemas.microsoft.com/office/drawing/2014/main" id="{11D18233-14AE-E5EB-FA2E-B3B443E27B70}"/>
+                <a16:creationId xmlns:a16="http://schemas.microsoft.com/office/drawing/2014/main" id="{B98C9526-3290-B081-C521-C7087A932BE7}"/>
               </a:ext>
             </a:extLst>
           </p:cNvPr>
@@ -2645,7 +2645,7 @@
           <p:cNvPr id="5" name="日期占位符 4">
             <a:extLst>
               <a:ext uri="{FF2B5EF4-FFF2-40B4-BE49-F238E27FC236}">
-                <a16:creationId xmlns:a16="http://schemas.microsoft.com/office/drawing/2014/main" id="{E5A3C2B1-D409-AEFA-E7AC-0442DE0D4CC1}"/>
+                <a16:creationId xmlns:a16="http://schemas.microsoft.com/office/drawing/2014/main" id="{07D7612B-F364-F215-E9A8-3BD824D3D76B}"/>
               </a:ext>
             </a:extLst>
           </p:cNvPr>
@@ -2661,7 +2661,7 @@
           <a:bodyPr/>
           <a:lstStyle/>
           <a:p>
-            <a:fld id="{BE4AA9EE-DC50-46A0-AEA3-57237EC51479}" type="datetimeFigureOut">
+            <a:fld id="{A7B1C9D6-F6B0-4E50-ACC4-33E427CDD700}" type="datetimeFigureOut">
               <a:rPr lang="zh-CN" altLang="en-US" smtClean="0"/>
               <a:t>2024/3/10</a:t>
             </a:fld>
@@ -2674,7 +2674,7 @@
           <p:cNvPr id="6" name="页脚占位符 5">
             <a:extLst>
               <a:ext uri="{FF2B5EF4-FFF2-40B4-BE49-F238E27FC236}">
-                <a16:creationId xmlns:a16="http://schemas.microsoft.com/office/drawing/2014/main" id="{4B0E211B-7893-FE1A-2C8A-46F938FEDEB2}"/>
+                <a16:creationId xmlns:a16="http://schemas.microsoft.com/office/drawing/2014/main" id="{1128FCE9-6EA3-43BC-14F6-E3D0674E8512}"/>
               </a:ext>
             </a:extLst>
           </p:cNvPr>
@@ -2699,7 +2699,7 @@
           <p:cNvPr id="7" name="灯片编号占位符 6">
             <a:extLst>
               <a:ext uri="{FF2B5EF4-FFF2-40B4-BE49-F238E27FC236}">
-                <a16:creationId xmlns:a16="http://schemas.microsoft.com/office/drawing/2014/main" id="{4EDCA7B8-6A03-A7D2-542A-DB84A1F2770F}"/>
+                <a16:creationId xmlns:a16="http://schemas.microsoft.com/office/drawing/2014/main" id="{D08FDE3A-D6DB-D230-BA66-9B40D804146C}"/>
               </a:ext>
             </a:extLst>
           </p:cNvPr>
@@ -2715,7 +2715,7 @@
           <a:bodyPr/>
           <a:lstStyle/>
           <a:p>
-            <a:fld id="{8EDBEC4C-A996-4BCF-A628-AF67D4672C04}" type="slidenum">
+            <a:fld id="{D0497AF3-2AF8-4E32-BC72-F61E6A55E9D3}" type="slidenum">
               <a:rPr lang="zh-CN" altLang="en-US" smtClean="0"/>
               <a:t>‹#›</a:t>
             </a:fld>
@@ -2726,7 +2726,7 @@
     </p:spTree>
     <p:extLst>
       <p:ext uri="{BB962C8B-B14F-4D97-AF65-F5344CB8AC3E}">
-        <p14:creationId xmlns:p14="http://schemas.microsoft.com/office/powerpoint/2010/main" val="1683482731"/>
+        <p14:creationId xmlns:p14="http://schemas.microsoft.com/office/powerpoint/2010/main" val="990514427"/>
       </p:ext>
     </p:extLst>
   </p:cSld>
@@ -2763,7 +2763,7 @@
           <p:cNvPr id="2" name="标题占位符 1">
             <a:extLst>
               <a:ext uri="{FF2B5EF4-FFF2-40B4-BE49-F238E27FC236}">
-                <a16:creationId xmlns:a16="http://schemas.microsoft.com/office/drawing/2014/main" id="{666F7A23-E863-5A79-8E85-2BFD5A67CBA0}"/>
+                <a16:creationId xmlns:a16="http://schemas.microsoft.com/office/drawing/2014/main" id="{516840B2-B5F8-75ED-AE6C-49680357D2F7}"/>
               </a:ext>
             </a:extLst>
           </p:cNvPr>
@@ -2801,7 +2801,7 @@
           <p:cNvPr id="3" name="文本占位符 2">
             <a:extLst>
               <a:ext uri="{FF2B5EF4-FFF2-40B4-BE49-F238E27FC236}">
-                <a16:creationId xmlns:a16="http://schemas.microsoft.com/office/drawing/2014/main" id="{083D8558-4C9E-596D-3D58-7482C8E924DB}"/>
+                <a16:creationId xmlns:a16="http://schemas.microsoft.com/office/drawing/2014/main" id="{771526B9-7190-BBF5-3BCF-F9EB6B83647E}"/>
               </a:ext>
             </a:extLst>
           </p:cNvPr>
@@ -2868,7 +2868,7 @@
           <p:cNvPr id="4" name="日期占位符 3">
             <a:extLst>
               <a:ext uri="{FF2B5EF4-FFF2-40B4-BE49-F238E27FC236}">
-                <a16:creationId xmlns:a16="http://schemas.microsoft.com/office/drawing/2014/main" id="{9F29C828-781E-BE71-9BEE-280453F1313C}"/>
+                <a16:creationId xmlns:a16="http://schemas.microsoft.com/office/drawing/2014/main" id="{8152C48A-3B3B-EAF7-5B3D-A8E8638DA47A}"/>
               </a:ext>
             </a:extLst>
           </p:cNvPr>
@@ -2902,7 +2902,7 @@
             </a:lvl1pPr>
           </a:lstStyle>
           <a:p>
-            <a:fld id="{BE4AA9EE-DC50-46A0-AEA3-57237EC51479}" type="datetimeFigureOut">
+            <a:fld id="{A7B1C9D6-F6B0-4E50-ACC4-33E427CDD700}" type="datetimeFigureOut">
               <a:rPr lang="zh-CN" altLang="en-US" smtClean="0"/>
               <a:t>2024/3/10</a:t>
             </a:fld>
@@ -2915,7 +2915,7 @@
           <p:cNvPr id="5" name="页脚占位符 4">
             <a:extLst>
               <a:ext uri="{FF2B5EF4-FFF2-40B4-BE49-F238E27FC236}">
-                <a16:creationId xmlns:a16="http://schemas.microsoft.com/office/drawing/2014/main" id="{584DE7CB-18A8-6DB8-4256-1EC6ACE0F601}"/>
+                <a16:creationId xmlns:a16="http://schemas.microsoft.com/office/drawing/2014/main" id="{9945F469-6EBF-82F3-F588-7A609835FAFD}"/>
               </a:ext>
             </a:extLst>
           </p:cNvPr>
@@ -2958,7 +2958,7 @@
           <p:cNvPr id="6" name="灯片编号占位符 5">
             <a:extLst>
               <a:ext uri="{FF2B5EF4-FFF2-40B4-BE49-F238E27FC236}">
-                <a16:creationId xmlns:a16="http://schemas.microsoft.com/office/drawing/2014/main" id="{A8165F38-9C84-9B0E-03B3-234C65A1406B}"/>
+                <a16:creationId xmlns:a16="http://schemas.microsoft.com/office/drawing/2014/main" id="{EC1C78C5-C157-22B4-D4A4-9BE84E2DCDA2}"/>
               </a:ext>
             </a:extLst>
           </p:cNvPr>
@@ -2992,7 +2992,7 @@
             </a:lvl1pPr>
           </a:lstStyle>
           <a:p>
-            <a:fld id="{8EDBEC4C-A996-4BCF-A628-AF67D4672C04}" type="slidenum">
+            <a:fld id="{D0497AF3-2AF8-4E32-BC72-F61E6A55E9D3}" type="slidenum">
               <a:rPr lang="zh-CN" altLang="en-US" smtClean="0"/>
               <a:t>‹#›</a:t>
             </a:fld>
@@ -3003,7 +3003,7 @@
     </p:spTree>
     <p:extLst>
       <p:ext uri="{BB962C8B-B14F-4D97-AF65-F5344CB8AC3E}">
-        <p14:creationId xmlns:p14="http://schemas.microsoft.com/office/powerpoint/2010/main" val="2733303456"/>
+        <p14:creationId xmlns:p14="http://schemas.microsoft.com/office/powerpoint/2010/main" val="705952505"/>
       </p:ext>
     </p:extLst>
   </p:cSld>
